--- a/unity_ppt/飞船打外星人.pptx
+++ b/unity_ppt/飞船打外星人.pptx
@@ -10,7 +10,8 @@
     <p:sldId id="258" r:id="rId4"/>
     <p:sldId id="259" r:id="rId5"/>
     <p:sldId id="260" r:id="rId6"/>
-    <p:sldId id="261" r:id="rId7"/>
+    <p:sldId id="262" r:id="rId7"/>
+    <p:sldId id="261" r:id="rId8"/>
   </p:sldIdLst>
   <p:sldSz cx="12192000" cy="6858000"/>
   <p:notesSz cx="6858000" cy="9144000"/>
@@ -119,6 +120,7 @@
             <p14:sldId id="258"/>
             <p14:sldId id="259"/>
             <p14:sldId id="260"/>
+            <p14:sldId id="262"/>
             <p14:sldId id="261"/>
           </p14:sldIdLst>
         </p14:section>
@@ -226,7 +228,7 @@
           <a:effectLst/>
           <a:extLst>
             <a:ext uri="{91240B29-F687-4f45-9708-019B960494DF}">
-              <a14:hiddenLine xmlns="" xmlns:a14="http://schemas.microsoft.com/office/drawing/2010/main" w="9525">
+              <a14:hiddenLine xmlns:a14="http://schemas.microsoft.com/office/drawing/2010/main" xmlns="" w="9525">
                 <a:solidFill>
                   <a:srgbClr val="000000"/>
                 </a:solidFill>
@@ -1748,7 +1750,7 @@
           <a:ln/>
           <a:extLst>
             <a:ext uri="{91240B29-F687-4f45-9708-019B960494DF}">
-              <a14:hiddenLine xmlns="" xmlns:a14="http://schemas.microsoft.com/office/drawing/2010/main" w="9525">
+              <a14:hiddenLine xmlns:a14="http://schemas.microsoft.com/office/drawing/2010/main" xmlns="" w="9525">
                 <a:solidFill>
                   <a:srgbClr val="000000"/>
                 </a:solidFill>
@@ -2023,7 +2025,7 @@
           <a:ln/>
           <a:extLst>
             <a:ext uri="{91240B29-F687-4f45-9708-019B960494DF}">
-              <a14:hiddenLine xmlns="" xmlns:a14="http://schemas.microsoft.com/office/drawing/2010/main" w="9525">
+              <a14:hiddenLine xmlns:a14="http://schemas.microsoft.com/office/drawing/2010/main" xmlns="" w="9525">
                 <a:solidFill>
                   <a:srgbClr val="000000"/>
                 </a:solidFill>
@@ -2306,7 +2308,7 @@
           <a:ln/>
           <a:extLst>
             <a:ext uri="{91240B29-F687-4f45-9708-019B960494DF}">
-              <a14:hiddenLine xmlns="" xmlns:a14="http://schemas.microsoft.com/office/drawing/2010/main" w="9525">
+              <a14:hiddenLine xmlns:a14="http://schemas.microsoft.com/office/drawing/2010/main" xmlns="" w="9525">
                 <a:solidFill>
                   <a:srgbClr val="000000"/>
                 </a:solidFill>
@@ -2932,7 +2934,7 @@
           <a:ln/>
           <a:extLst>
             <a:ext uri="{91240B29-F687-4f45-9708-019B960494DF}">
-              <a14:hiddenLine xmlns="" xmlns:a14="http://schemas.microsoft.com/office/drawing/2010/main" w="9525">
+              <a14:hiddenLine xmlns:a14="http://schemas.microsoft.com/office/drawing/2010/main" xmlns="" w="9525">
                 <a:solidFill>
                   <a:srgbClr val="000000"/>
                 </a:solidFill>
@@ -3271,7 +3273,7 @@
           <a:ln/>
           <a:extLst>
             <a:ext uri="{91240B29-F687-4f45-9708-019B960494DF}">
-              <a14:hiddenLine xmlns="" xmlns:a14="http://schemas.microsoft.com/office/drawing/2010/main" w="9525">
+              <a14:hiddenLine xmlns:a14="http://schemas.microsoft.com/office/drawing/2010/main" xmlns="" w="9525">
                 <a:solidFill>
                   <a:srgbClr val="000000"/>
                 </a:solidFill>
@@ -3748,7 +3750,7 @@
           <a:ln/>
           <a:extLst>
             <a:ext uri="{91240B29-F687-4f45-9708-019B960494DF}">
-              <a14:hiddenLine xmlns="" xmlns:a14="http://schemas.microsoft.com/office/drawing/2010/main" w="9525">
+              <a14:hiddenLine xmlns:a14="http://schemas.microsoft.com/office/drawing/2010/main" xmlns="" w="9525">
                 <a:solidFill>
                   <a:srgbClr val="000000"/>
                 </a:solidFill>
@@ -4177,7 +4179,7 @@
           <a:ln/>
           <a:extLst>
             <a:ext uri="{91240B29-F687-4f45-9708-019B960494DF}">
-              <a14:hiddenLine xmlns="" xmlns:a14="http://schemas.microsoft.com/office/drawing/2010/main" w="9525">
+              <a14:hiddenLine xmlns:a14="http://schemas.microsoft.com/office/drawing/2010/main" xmlns="" w="9525">
                 <a:solidFill>
                   <a:srgbClr val="000000"/>
                 </a:solidFill>
@@ -5939,6 +5941,167 @@
           <p:cNvPr id="2" name="标题 1">
             <a:extLst>
               <a:ext uri="{FF2B5EF4-FFF2-40B4-BE49-F238E27FC236}">
+                <a16:creationId xmlns:a16="http://schemas.microsoft.com/office/drawing/2014/main" id="{7B261129-958E-4E01-9EA4-4A820EAC8259}"/>
+              </a:ext>
+            </a:extLst>
+          </p:cNvPr>
+          <p:cNvSpPr>
+            <a:spLocks noGrp="1"/>
+          </p:cNvSpPr>
+          <p:nvPr>
+            <p:ph type="title"/>
+          </p:nvPr>
+        </p:nvSpPr>
+        <p:spPr/>
+        <p:txBody>
+          <a:bodyPr/>
+          <a:lstStyle/>
+          <a:p>
+            <a:r>
+              <a:rPr lang="zh-CN" altLang="en-US" dirty="0"/>
+              <a:t>游戏画面</a:t>
+            </a:r>
+            <a:br>
+              <a:rPr lang="en-US" altLang="zh-CN" dirty="0"/>
+            </a:br>
+            <a:br>
+              <a:rPr lang="en-US" altLang="zh-CN" dirty="0"/>
+            </a:br>
+            <a:endParaRPr lang="zh-CN" altLang="en-US" dirty="0"/>
+          </a:p>
+        </p:txBody>
+      </p:sp>
+      <p:pic>
+        <p:nvPicPr>
+          <p:cNvPr id="10" name="内容占位符 9">
+            <a:extLst>
+              <a:ext uri="{FF2B5EF4-FFF2-40B4-BE49-F238E27FC236}">
+                <a16:creationId xmlns:a16="http://schemas.microsoft.com/office/drawing/2014/main" id="{9583A4ED-02F3-4ECC-A0A9-E69A476CD602}"/>
+              </a:ext>
+            </a:extLst>
+          </p:cNvPr>
+          <p:cNvPicPr>
+            <a:picLocks noGrp="1" noChangeAspect="1"/>
+          </p:cNvPicPr>
+          <p:nvPr>
+            <p:ph idx="1"/>
+          </p:nvPr>
+        </p:nvPicPr>
+        <p:blipFill>
+          <a:blip r:embed="rId2">
+            <a:extLst>
+              <a:ext uri="{28A0092B-C50C-407E-A947-70E740481C1C}">
+                <a14:useLocalDpi xmlns:a14="http://schemas.microsoft.com/office/drawing/2010/main" val="0"/>
+              </a:ext>
+            </a:extLst>
+          </a:blip>
+          <a:stretch>
+            <a:fillRect/>
+          </a:stretch>
+        </p:blipFill>
+        <p:spPr>
+          <a:xfrm>
+            <a:off x="4856163" y="776448"/>
+            <a:ext cx="6251575" cy="4754242"/>
+          </a:xfrm>
+        </p:spPr>
+      </p:pic>
+      <p:sp>
+        <p:nvSpPr>
+          <p:cNvPr id="4" name="文本占位符 3">
+            <a:extLst>
+              <a:ext uri="{FF2B5EF4-FFF2-40B4-BE49-F238E27FC236}">
+                <a16:creationId xmlns:a16="http://schemas.microsoft.com/office/drawing/2014/main" id="{B900E6D4-DA3E-458E-B708-11DB983DDFB4}"/>
+              </a:ext>
+            </a:extLst>
+          </p:cNvPr>
+          <p:cNvSpPr>
+            <a:spLocks noGrp="1"/>
+          </p:cNvSpPr>
+          <p:nvPr>
+            <p:ph type="body" sz="half" idx="2"/>
+          </p:nvPr>
+        </p:nvSpPr>
+        <p:spPr/>
+        <p:txBody>
+          <a:bodyPr/>
+          <a:lstStyle/>
+          <a:p>
+            <a:endParaRPr lang="zh-CN" altLang="en-US" dirty="0"/>
+          </a:p>
+        </p:txBody>
+      </p:sp>
+      <p:pic>
+        <p:nvPicPr>
+          <p:cNvPr id="12" name="图片 11">
+            <a:extLst>
+              <a:ext uri="{FF2B5EF4-FFF2-40B4-BE49-F238E27FC236}">
+                <a16:creationId xmlns:a16="http://schemas.microsoft.com/office/drawing/2014/main" id="{F682EC46-1658-47BD-ACBB-41E9605C1E74}"/>
+              </a:ext>
+            </a:extLst>
+          </p:cNvPr>
+          <p:cNvPicPr>
+            <a:picLocks noChangeAspect="1"/>
+          </p:cNvPicPr>
+          <p:nvPr/>
+        </p:nvPicPr>
+        <p:blipFill>
+          <a:blip r:embed="rId3">
+            <a:extLst>
+              <a:ext uri="{28A0092B-C50C-407E-A947-70E740481C1C}">
+                <a14:useLocalDpi xmlns:a14="http://schemas.microsoft.com/office/drawing/2010/main" val="0"/>
+              </a:ext>
+            </a:extLst>
+          </a:blip>
+          <a:stretch>
+            <a:fillRect/>
+          </a:stretch>
+        </p:blipFill>
+        <p:spPr>
+          <a:xfrm>
+            <a:off x="1181301" y="2360542"/>
+            <a:ext cx="3237639" cy="2415209"/>
+          </a:xfrm>
+          <a:prstGeom prst="rect">
+            <a:avLst/>
+          </a:prstGeom>
+        </p:spPr>
+      </p:pic>
+    </p:spTree>
+    <p:extLst>
+      <p:ext uri="{BB962C8B-B14F-4D97-AF65-F5344CB8AC3E}">
+        <p14:creationId xmlns:p14="http://schemas.microsoft.com/office/powerpoint/2010/main" val="581060477"/>
+      </p:ext>
+    </p:extLst>
+  </p:cSld>
+  <p:clrMapOvr>
+    <a:masterClrMapping/>
+  </p:clrMapOvr>
+</p:sld>
+</file>
+
+<file path=ppt/slides/slide7.xml><?xml version="1.0" encoding="utf-8"?>
+<p:sld xmlns:a="http://schemas.openxmlformats.org/drawingml/2006/main" xmlns:r="http://schemas.openxmlformats.org/officeDocument/2006/relationships" xmlns:p="http://schemas.openxmlformats.org/presentationml/2006/main">
+  <p:cSld>
+    <p:spTree>
+      <p:nvGrpSpPr>
+        <p:cNvPr id="1" name=""/>
+        <p:cNvGrpSpPr/>
+        <p:nvPr/>
+      </p:nvGrpSpPr>
+      <p:grpSpPr>
+        <a:xfrm>
+          <a:off x="0" y="0"/>
+          <a:ext cx="0" cy="0"/>
+          <a:chOff x="0" y="0"/>
+          <a:chExt cx="0" cy="0"/>
+        </a:xfrm>
+      </p:grpSpPr>
+      <p:sp>
+        <p:nvSpPr>
+          <p:cNvPr id="2" name="标题 1">
+            <a:extLst>
+              <a:ext uri="{FF2B5EF4-FFF2-40B4-BE49-F238E27FC236}">
                 <a16:creationId xmlns:a16="http://schemas.microsoft.com/office/drawing/2014/main" id="{C307F69B-3D3A-44E6-B555-94748664F451}"/>
               </a:ext>
             </a:extLst>
